--- a/PPT/基于IP坐标系统的QoS优化方法.pptx
+++ b/PPT/基于IP坐标系统的QoS优化方法.pptx
@@ -4799,7 +4799,7 @@
           <a:p>
             <a:fld id="{150A7A06-B06E-4BA1-8343-1CCBE8492F9B}" type="datetimeFigureOut">
               <a:rPr lang="zh-CN" altLang="en-US" smtClean="0"/>
-              <a:t>2017/9/22</a:t>
+              <a:t>2018/5/24</a:t>
             </a:fld>
             <a:endParaRPr lang="zh-CN" altLang="en-US"/>
           </a:p>
@@ -5199,7 +5199,7 @@
             <a:fld id="{76EF31D4-1AA4-45E7-8F10-C007A9A6DDB0}" type="datetimeFigureOut">
               <a:rPr lang="zh-HK" altLang="en-US" smtClean="0"/>
               <a:pPr/>
-              <a:t>22/9/2017</a:t>
+              <a:t>24/5/2018</a:t>
             </a:fld>
             <a:endParaRPr lang="zh-HK" altLang="en-US"/>
           </a:p>
@@ -5371,7 +5371,7 @@
             <a:fld id="{76EF31D4-1AA4-45E7-8F10-C007A9A6DDB0}" type="datetimeFigureOut">
               <a:rPr lang="zh-HK" altLang="en-US" smtClean="0"/>
               <a:pPr/>
-              <a:t>22/9/2017</a:t>
+              <a:t>24/5/2018</a:t>
             </a:fld>
             <a:endParaRPr lang="zh-HK" altLang="en-US"/>
           </a:p>
@@ -5553,7 +5553,7 @@
             <a:fld id="{76EF31D4-1AA4-45E7-8F10-C007A9A6DDB0}" type="datetimeFigureOut">
               <a:rPr lang="zh-HK" altLang="en-US" smtClean="0"/>
               <a:pPr/>
-              <a:t>22/9/2017</a:t>
+              <a:t>24/5/2018</a:t>
             </a:fld>
             <a:endParaRPr lang="zh-HK" altLang="en-US"/>
           </a:p>
@@ -5753,7 +5753,7 @@
                 </a:solidFill>
               </a:rPr>
               <a:pPr/>
-              <a:t>22/9/2017</a:t>
+              <a:t>24/5/2018</a:t>
             </a:fld>
             <a:endParaRPr lang="zh-HK" altLang="en-US">
               <a:solidFill>
@@ -5965,7 +5965,7 @@
                 </a:solidFill>
               </a:rPr>
               <a:pPr/>
-              <a:t>22/9/2017</a:t>
+              <a:t>24/5/2018</a:t>
             </a:fld>
             <a:endParaRPr lang="zh-HK" altLang="en-US">
               <a:solidFill>
@@ -6251,7 +6251,7 @@
                 </a:solidFill>
               </a:rPr>
               <a:pPr/>
-              <a:t>22/9/2017</a:t>
+              <a:t>24/5/2018</a:t>
             </a:fld>
             <a:endParaRPr lang="zh-HK" altLang="en-US">
               <a:solidFill>
@@ -6525,7 +6525,7 @@
                 </a:solidFill>
               </a:rPr>
               <a:pPr/>
-              <a:t>22/9/2017</a:t>
+              <a:t>24/5/2018</a:t>
             </a:fld>
             <a:endParaRPr lang="zh-HK" altLang="en-US">
               <a:solidFill>
@@ -6934,7 +6934,7 @@
                 </a:solidFill>
               </a:rPr>
               <a:pPr/>
-              <a:t>22/9/2017</a:t>
+              <a:t>24/5/2018</a:t>
             </a:fld>
             <a:endParaRPr lang="zh-HK" altLang="en-US">
               <a:solidFill>
@@ -7094,7 +7094,7 @@
                 </a:solidFill>
               </a:rPr>
               <a:pPr/>
-              <a:t>22/9/2017</a:t>
+              <a:t>24/5/2018</a:t>
             </a:fld>
             <a:endParaRPr lang="zh-HK" altLang="en-US">
               <a:solidFill>
@@ -7231,7 +7231,7 @@
                 </a:solidFill>
               </a:rPr>
               <a:pPr/>
-              <a:t>22/9/2017</a:t>
+              <a:t>24/5/2018</a:t>
             </a:fld>
             <a:endParaRPr lang="zh-HK" altLang="en-US">
               <a:solidFill>
@@ -7550,7 +7550,7 @@
                 </a:solidFill>
               </a:rPr>
               <a:pPr/>
-              <a:t>22/9/2017</a:t>
+              <a:t>24/5/2018</a:t>
             </a:fld>
             <a:endParaRPr lang="zh-HK" altLang="en-US">
               <a:solidFill>
@@ -7756,7 +7756,7 @@
             <a:fld id="{76EF31D4-1AA4-45E7-8F10-C007A9A6DDB0}" type="datetimeFigureOut">
               <a:rPr lang="zh-HK" altLang="en-US" smtClean="0"/>
               <a:pPr/>
-              <a:t>22/9/2017</a:t>
+              <a:t>24/5/2018</a:t>
             </a:fld>
             <a:endParaRPr lang="zh-HK" altLang="en-US"/>
           </a:p>
@@ -8021,7 +8021,7 @@
                 </a:solidFill>
               </a:rPr>
               <a:pPr/>
-              <a:t>22/9/2017</a:t>
+              <a:t>24/5/2018</a:t>
             </a:fld>
             <a:endParaRPr lang="zh-HK" altLang="en-US">
               <a:solidFill>
@@ -8233,7 +8233,7 @@
                 </a:solidFill>
               </a:rPr>
               <a:pPr/>
-              <a:t>22/9/2017</a:t>
+              <a:t>24/5/2018</a:t>
             </a:fld>
             <a:endParaRPr lang="zh-HK" altLang="en-US">
               <a:solidFill>
@@ -8455,7 +8455,7 @@
                 </a:solidFill>
               </a:rPr>
               <a:pPr/>
-              <a:t>22/9/2017</a:t>
+              <a:t>24/5/2018</a:t>
             </a:fld>
             <a:endParaRPr lang="zh-HK" altLang="en-US">
               <a:solidFill>
@@ -8735,7 +8735,7 @@
             <a:fld id="{76EF31D4-1AA4-45E7-8F10-C007A9A6DDB0}" type="datetimeFigureOut">
               <a:rPr lang="zh-HK" altLang="en-US" smtClean="0"/>
               <a:pPr/>
-              <a:t>22/9/2017</a:t>
+              <a:t>24/5/2018</a:t>
             </a:fld>
             <a:endParaRPr lang="zh-HK" altLang="en-US"/>
           </a:p>
@@ -8969,7 +8969,7 @@
             <a:fld id="{76EF31D4-1AA4-45E7-8F10-C007A9A6DDB0}" type="datetimeFigureOut">
               <a:rPr lang="zh-HK" altLang="en-US" smtClean="0"/>
               <a:pPr/>
-              <a:t>22/9/2017</a:t>
+              <a:t>24/5/2018</a:t>
             </a:fld>
             <a:endParaRPr lang="zh-HK" altLang="en-US"/>
           </a:p>
@@ -9338,7 +9338,7 @@
             <a:fld id="{76EF31D4-1AA4-45E7-8F10-C007A9A6DDB0}" type="datetimeFigureOut">
               <a:rPr lang="zh-HK" altLang="en-US" smtClean="0"/>
               <a:pPr/>
-              <a:t>22/9/2017</a:t>
+              <a:t>24/5/2018</a:t>
             </a:fld>
             <a:endParaRPr lang="zh-HK" altLang="en-US"/>
           </a:p>
@@ -9458,7 +9458,7 @@
             <a:fld id="{76EF31D4-1AA4-45E7-8F10-C007A9A6DDB0}" type="datetimeFigureOut">
               <a:rPr lang="zh-HK" altLang="en-US" smtClean="0"/>
               <a:pPr/>
-              <a:t>22/9/2017</a:t>
+              <a:t>24/5/2018</a:t>
             </a:fld>
             <a:endParaRPr lang="zh-HK" altLang="en-US"/>
           </a:p>
@@ -9555,7 +9555,7 @@
             <a:fld id="{76EF31D4-1AA4-45E7-8F10-C007A9A6DDB0}" type="datetimeFigureOut">
               <a:rPr lang="zh-HK" altLang="en-US" smtClean="0"/>
               <a:pPr/>
-              <a:t>22/9/2017</a:t>
+              <a:t>24/5/2018</a:t>
             </a:fld>
             <a:endParaRPr lang="zh-HK" altLang="en-US"/>
           </a:p>
@@ -9834,7 +9834,7 @@
             <a:fld id="{76EF31D4-1AA4-45E7-8F10-C007A9A6DDB0}" type="datetimeFigureOut">
               <a:rPr lang="zh-HK" altLang="en-US" smtClean="0"/>
               <a:pPr/>
-              <a:t>22/9/2017</a:t>
+              <a:t>24/5/2018</a:t>
             </a:fld>
             <a:endParaRPr lang="zh-HK" altLang="en-US"/>
           </a:p>
@@ -10093,7 +10093,7 @@
             <a:fld id="{76EF31D4-1AA4-45E7-8F10-C007A9A6DDB0}" type="datetimeFigureOut">
               <a:rPr lang="zh-HK" altLang="en-US" smtClean="0"/>
               <a:pPr/>
-              <a:t>22/9/2017</a:t>
+              <a:t>24/5/2018</a:t>
             </a:fld>
             <a:endParaRPr lang="zh-HK" altLang="en-US"/>
           </a:p>
@@ -10315,7 +10315,7 @@
             <a:fld id="{76EF31D4-1AA4-45E7-8F10-C007A9A6DDB0}" type="datetimeFigureOut">
               <a:rPr lang="zh-HK" altLang="en-US" smtClean="0"/>
               <a:pPr/>
-              <a:t>22/9/2017</a:t>
+              <a:t>24/5/2018</a:t>
             </a:fld>
             <a:endParaRPr lang="zh-HK" altLang="en-US"/>
           </a:p>
@@ -10870,7 +10870,7 @@
                 </a:solidFill>
               </a:rPr>
               <a:pPr/>
-              <a:t>22/9/2017</a:t>
+              <a:t>24/5/2018</a:t>
             </a:fld>
             <a:endParaRPr lang="zh-HK" altLang="en-US">
               <a:solidFill>
@@ -15369,98 +15369,63 @@
           </a:p>
         </p:txBody>
       </p:sp>
-      <p:sp>
-        <p:nvSpPr>
-          <p:cNvPr id="22" name="右箭头 21"/>
-          <p:cNvSpPr/>
-          <p:nvPr/>
-        </p:nvSpPr>
-        <p:spPr>
-          <a:xfrm>
-            <a:off x="3458806" y="4341654"/>
-            <a:ext cx="978408" cy="484632"/>
-          </a:xfrm>
-          <a:prstGeom prst="rightArrow">
-            <a:avLst/>
-          </a:prstGeom>
-        </p:spPr>
-        <p:style>
-          <a:lnRef idx="2">
-            <a:schemeClr val="accent1">
-              <a:shade val="50000"/>
-            </a:schemeClr>
-          </a:lnRef>
-          <a:fillRef idx="1">
-            <a:schemeClr val="accent1"/>
-          </a:fillRef>
-          <a:effectRef idx="0">
-            <a:schemeClr val="accent1"/>
-          </a:effectRef>
-          <a:fontRef idx="minor">
-            <a:schemeClr val="lt1"/>
-          </a:fontRef>
-        </p:style>
-        <p:txBody>
-          <a:bodyPr rtlCol="0" anchor="ctr"/>
-          <a:lstStyle/>
-          <a:p>
-            <a:pPr algn="ctr"/>
-            <a:endParaRPr lang="zh-CN" altLang="en-US"/>
-          </a:p>
-        </p:txBody>
-      </p:sp>
       <p:grpSp>
         <p:nvGrpSpPr>
-          <p:cNvPr id="65" name="组合 64"/>
+          <p:cNvPr id="2" name="组合 1"/>
           <p:cNvGrpSpPr/>
           <p:nvPr/>
         </p:nvGrpSpPr>
         <p:grpSpPr>
           <a:xfrm>
-            <a:off x="497073" y="3279148"/>
-            <a:ext cx="2897817" cy="2646808"/>
-            <a:chOff x="497073" y="3279148"/>
-            <a:chExt cx="2897817" cy="2646808"/>
+            <a:off x="497073" y="2750426"/>
+            <a:ext cx="8209792" cy="3791077"/>
+            <a:chOff x="497073" y="2750426"/>
+            <a:chExt cx="8209792" cy="3791077"/>
           </a:xfrm>
         </p:grpSpPr>
-        <p:cxnSp>
-          <p:nvCxnSpPr>
-            <p:cNvPr id="26" name="直接连接符 25"/>
-            <p:cNvCxnSpPr>
-              <a:endCxn id="49" idx="1"/>
-            </p:cNvCxnSpPr>
+        <p:sp>
+          <p:nvSpPr>
+            <p:cNvPr id="22" name="右箭头 21"/>
+            <p:cNvSpPr/>
             <p:nvPr/>
-          </p:nvCxnSpPr>
+          </p:nvSpPr>
           <p:spPr>
-            <a:xfrm flipV="1">
-              <a:off x="850694" y="3656388"/>
-              <a:ext cx="1449420" cy="1727124"/>
+            <a:xfrm>
+              <a:off x="3458806" y="4341654"/>
+              <a:ext cx="978408" cy="484632"/>
             </a:xfrm>
-            <a:prstGeom prst="line">
+            <a:prstGeom prst="rightArrow">
               <a:avLst/>
             </a:prstGeom>
-            <a:ln>
-              <a:prstDash val="dash"/>
-            </a:ln>
           </p:spPr>
           <p:style>
-            <a:lnRef idx="1">
-              <a:schemeClr val="accent1"/>
+            <a:lnRef idx="2">
+              <a:schemeClr val="accent1">
+                <a:shade val="50000"/>
+              </a:schemeClr>
             </a:lnRef>
-            <a:fillRef idx="0">
+            <a:fillRef idx="1">
               <a:schemeClr val="accent1"/>
             </a:fillRef>
             <a:effectRef idx="0">
               <a:schemeClr val="accent1"/>
             </a:effectRef>
             <a:fontRef idx="minor">
-              <a:schemeClr val="tx1"/>
+              <a:schemeClr val="lt1"/>
             </a:fontRef>
           </p:style>
-        </p:cxnSp>
+          <p:txBody>
+            <a:bodyPr rtlCol="0" anchor="ctr"/>
+            <a:lstStyle/>
+            <a:p>
+              <a:pPr algn="ctr"/>
+              <a:endParaRPr lang="zh-CN" altLang="en-US"/>
+            </a:p>
+          </p:txBody>
+        </p:sp>
         <p:grpSp>
           <p:nvGrpSpPr>
-            <p:cNvPr id="64" name="组合 63"/>
+            <p:cNvPr id="65" name="组合 64"/>
             <p:cNvGrpSpPr/>
             <p:nvPr/>
           </p:nvGrpSpPr>
@@ -15472,566 +15437,11 @@
               <a:chExt cx="2897817" cy="2646808"/>
             </a:xfrm>
           </p:grpSpPr>
-          <p:grpSp>
-            <p:nvGrpSpPr>
-              <p:cNvPr id="23" name="组合 22"/>
-              <p:cNvGrpSpPr/>
-              <p:nvPr/>
-            </p:nvGrpSpPr>
-            <p:grpSpPr>
-              <a:xfrm>
-                <a:off x="854240" y="3648480"/>
-                <a:ext cx="2183483" cy="1912948"/>
-                <a:chOff x="854240" y="3648480"/>
-                <a:chExt cx="2183483" cy="1912948"/>
-              </a:xfrm>
-            </p:grpSpPr>
-            <p:sp>
-              <p:nvSpPr>
-                <p:cNvPr id="18" name="椭圆 17"/>
-                <p:cNvSpPr/>
-                <p:nvPr/>
-              </p:nvSpPr>
-              <p:spPr>
-                <a:xfrm flipH="1">
-                  <a:off x="854240" y="5317958"/>
-                  <a:ext cx="54000" cy="54000"/>
-                </a:xfrm>
-                <a:prstGeom prst="ellipse">
-                  <a:avLst/>
-                </a:prstGeom>
-              </p:spPr>
-              <p:style>
-                <a:lnRef idx="2">
-                  <a:schemeClr val="accent1">
-                    <a:shade val="50000"/>
-                  </a:schemeClr>
-                </a:lnRef>
-                <a:fillRef idx="1">
-                  <a:schemeClr val="accent1"/>
-                </a:fillRef>
-                <a:effectRef idx="0">
-                  <a:schemeClr val="accent1"/>
-                </a:effectRef>
-                <a:fontRef idx="minor">
-                  <a:schemeClr val="lt1"/>
-                </a:fontRef>
-              </p:style>
-              <p:txBody>
-                <a:bodyPr rtlCol="0" anchor="ctr"/>
-                <a:lstStyle/>
-                <a:p>
-                  <a:pPr algn="ctr"/>
-                  <a:endParaRPr lang="zh-CN" altLang="en-US"/>
-                </a:p>
-              </p:txBody>
-            </p:sp>
-            <p:sp>
-              <p:nvSpPr>
-                <p:cNvPr id="49" name="椭圆 48"/>
-                <p:cNvSpPr/>
-                <p:nvPr/>
-              </p:nvSpPr>
-              <p:spPr>
-                <a:xfrm flipH="1">
-                  <a:off x="2254022" y="3648480"/>
-                  <a:ext cx="54000" cy="54000"/>
-                </a:xfrm>
-                <a:prstGeom prst="ellipse">
-                  <a:avLst/>
-                </a:prstGeom>
-              </p:spPr>
-              <p:style>
-                <a:lnRef idx="2">
-                  <a:schemeClr val="accent1">
-                    <a:shade val="50000"/>
-                  </a:schemeClr>
-                </a:lnRef>
-                <a:fillRef idx="1">
-                  <a:schemeClr val="accent1"/>
-                </a:fillRef>
-                <a:effectRef idx="0">
-                  <a:schemeClr val="accent1"/>
-                </a:effectRef>
-                <a:fontRef idx="minor">
-                  <a:schemeClr val="lt1"/>
-                </a:fontRef>
-              </p:style>
-              <p:txBody>
-                <a:bodyPr rtlCol="0" anchor="ctr"/>
-                <a:lstStyle/>
-                <a:p>
-                  <a:pPr algn="ctr"/>
-                  <a:endParaRPr lang="zh-CN" altLang="en-US"/>
-                </a:p>
-              </p:txBody>
-            </p:sp>
-            <p:sp>
-              <p:nvSpPr>
-                <p:cNvPr id="51" name="椭圆 50"/>
-                <p:cNvSpPr/>
-                <p:nvPr/>
-              </p:nvSpPr>
-              <p:spPr>
-                <a:xfrm flipH="1">
-                  <a:off x="2983723" y="5507428"/>
-                  <a:ext cx="54000" cy="54000"/>
-                </a:xfrm>
-                <a:prstGeom prst="ellipse">
-                  <a:avLst/>
-                </a:prstGeom>
-              </p:spPr>
-              <p:style>
-                <a:lnRef idx="2">
-                  <a:schemeClr val="accent1">
-                    <a:shade val="50000"/>
-                  </a:schemeClr>
-                </a:lnRef>
-                <a:fillRef idx="1">
-                  <a:schemeClr val="accent1"/>
-                </a:fillRef>
-                <a:effectRef idx="0">
-                  <a:schemeClr val="accent1"/>
-                </a:effectRef>
-                <a:fontRef idx="minor">
-                  <a:schemeClr val="lt1"/>
-                </a:fontRef>
-              </p:style>
-              <p:txBody>
-                <a:bodyPr rtlCol="0" anchor="ctr"/>
-                <a:lstStyle/>
-                <a:p>
-                  <a:pPr algn="ctr"/>
-                  <a:endParaRPr lang="zh-CN" altLang="en-US"/>
-                </a:p>
-              </p:txBody>
-            </p:sp>
-          </p:grpSp>
-          <p:sp>
-            <p:nvSpPr>
-              <p:cNvPr id="24" name="文本框 23"/>
-              <p:cNvSpPr txBox="1"/>
-              <p:nvPr/>
-            </p:nvSpPr>
-            <p:spPr>
-              <a:xfrm>
-                <a:off x="497073" y="5371958"/>
-                <a:ext cx="357167" cy="369332"/>
-              </a:xfrm>
-              <a:prstGeom prst="rect">
-                <a:avLst/>
-              </a:prstGeom>
-              <a:noFill/>
-            </p:spPr>
-            <p:txBody>
-              <a:bodyPr wrap="square" rtlCol="0">
-                <a:spAutoFit/>
-              </a:bodyPr>
-              <a:lstStyle/>
-              <a:p>
-                <a:r>
-                  <a:rPr lang="en-US" altLang="zh-CN" dirty="0"/>
-                  <a:t>A</a:t>
-                </a:r>
-                <a:endParaRPr lang="zh-CN" altLang="en-US" dirty="0"/>
-              </a:p>
-            </p:txBody>
-          </p:sp>
-          <p:sp>
-            <p:nvSpPr>
-              <p:cNvPr id="52" name="文本框 51"/>
-              <p:cNvSpPr txBox="1"/>
-              <p:nvPr/>
-            </p:nvSpPr>
-            <p:spPr>
-              <a:xfrm>
-                <a:off x="1893650" y="3279148"/>
-                <a:ext cx="357167" cy="369332"/>
-              </a:xfrm>
-              <a:prstGeom prst="rect">
-                <a:avLst/>
-              </a:prstGeom>
-              <a:noFill/>
-            </p:spPr>
-            <p:txBody>
-              <a:bodyPr wrap="square" rtlCol="0">
-                <a:spAutoFit/>
-              </a:bodyPr>
-              <a:lstStyle/>
-              <a:p>
-                <a:r>
-                  <a:rPr lang="en-US" altLang="zh-CN" dirty="0" smtClean="0"/>
-                  <a:t>B</a:t>
-                </a:r>
-                <a:endParaRPr lang="zh-CN" altLang="en-US" dirty="0"/>
-              </a:p>
-            </p:txBody>
-          </p:sp>
-          <p:sp>
-            <p:nvSpPr>
-              <p:cNvPr id="53" name="文本框 52"/>
-              <p:cNvSpPr txBox="1"/>
-              <p:nvPr/>
-            </p:nvSpPr>
-            <p:spPr>
-              <a:xfrm>
-                <a:off x="3037723" y="5556624"/>
-                <a:ext cx="357167" cy="369332"/>
-              </a:xfrm>
-              <a:prstGeom prst="rect">
-                <a:avLst/>
-              </a:prstGeom>
-              <a:noFill/>
-            </p:spPr>
-            <p:txBody>
-              <a:bodyPr wrap="square" rtlCol="0">
-                <a:spAutoFit/>
-              </a:bodyPr>
-              <a:lstStyle/>
-              <a:p>
-                <a:r>
-                  <a:rPr lang="en-US" altLang="zh-CN" dirty="0" smtClean="0"/>
-                  <a:t>C</a:t>
-                </a:r>
-                <a:endParaRPr lang="zh-CN" altLang="en-US" dirty="0"/>
-              </a:p>
-            </p:txBody>
-          </p:sp>
-        </p:grpSp>
-        <p:cxnSp>
-          <p:nvCxnSpPr>
-            <p:cNvPr id="58" name="直接连接符 57"/>
-            <p:cNvCxnSpPr>
-              <a:stCxn id="18" idx="6"/>
-              <a:endCxn id="51" idx="7"/>
-            </p:cNvCxnSpPr>
-            <p:nvPr/>
-          </p:nvCxnSpPr>
-          <p:spPr>
-            <a:xfrm>
-              <a:off x="854240" y="5344958"/>
-              <a:ext cx="2137391" cy="170378"/>
-            </a:xfrm>
-            <a:prstGeom prst="line">
-              <a:avLst/>
-            </a:prstGeom>
-            <a:ln>
-              <a:prstDash val="dash"/>
-            </a:ln>
-          </p:spPr>
-          <p:style>
-            <a:lnRef idx="1">
-              <a:schemeClr val="accent1"/>
-            </a:lnRef>
-            <a:fillRef idx="0">
-              <a:schemeClr val="accent1"/>
-            </a:fillRef>
-            <a:effectRef idx="0">
-              <a:schemeClr val="accent1"/>
-            </a:effectRef>
-            <a:fontRef idx="minor">
-              <a:schemeClr val="tx1"/>
-            </a:fontRef>
-          </p:style>
-        </p:cxnSp>
-        <p:cxnSp>
-          <p:nvCxnSpPr>
-            <p:cNvPr id="61" name="直接连接符 60"/>
-            <p:cNvCxnSpPr>
-              <a:stCxn id="51" idx="2"/>
-              <a:endCxn id="49" idx="3"/>
-            </p:cNvCxnSpPr>
-            <p:nvPr/>
-          </p:nvCxnSpPr>
-          <p:spPr>
-            <a:xfrm flipH="1" flipV="1">
-              <a:off x="2300114" y="3694572"/>
-              <a:ext cx="737609" cy="1839856"/>
-            </a:xfrm>
-            <a:prstGeom prst="line">
-              <a:avLst/>
-            </a:prstGeom>
-            <a:ln>
-              <a:prstDash val="dash"/>
-            </a:ln>
-          </p:spPr>
-          <p:style>
-            <a:lnRef idx="1">
-              <a:schemeClr val="accent1"/>
-            </a:lnRef>
-            <a:fillRef idx="0">
-              <a:schemeClr val="accent1"/>
-            </a:fillRef>
-            <a:effectRef idx="0">
-              <a:schemeClr val="accent1"/>
-            </a:effectRef>
-            <a:fontRef idx="minor">
-              <a:schemeClr val="tx1"/>
-            </a:fontRef>
-          </p:style>
-        </p:cxnSp>
-      </p:grpSp>
-      <p:grpSp>
-        <p:nvGrpSpPr>
-          <p:cNvPr id="79" name="组合 78"/>
-          <p:cNvGrpSpPr/>
-          <p:nvPr/>
-        </p:nvGrpSpPr>
-        <p:grpSpPr>
-          <a:xfrm>
-            <a:off x="4572000" y="2750426"/>
-            <a:ext cx="4134865" cy="3791077"/>
-            <a:chOff x="4588030" y="2622884"/>
-            <a:chExt cx="4134865" cy="3791077"/>
-          </a:xfrm>
-        </p:grpSpPr>
-        <p:grpSp>
-          <p:nvGrpSpPr>
-            <p:cNvPr id="17" name="组合 16"/>
-            <p:cNvGrpSpPr/>
-            <p:nvPr/>
-          </p:nvGrpSpPr>
-          <p:grpSpPr>
-            <a:xfrm>
-              <a:off x="4588030" y="2622884"/>
-              <a:ext cx="4134865" cy="3791077"/>
-              <a:chOff x="4588030" y="2622884"/>
-              <a:chExt cx="4134865" cy="3791077"/>
-            </a:xfrm>
-          </p:grpSpPr>
-          <p:grpSp>
-            <p:nvGrpSpPr>
-              <p:cNvPr id="16" name="组合 15"/>
-              <p:cNvGrpSpPr/>
-              <p:nvPr/>
-            </p:nvGrpSpPr>
-            <p:grpSpPr>
-              <a:xfrm>
-                <a:off x="5113421" y="2622884"/>
-                <a:ext cx="3609474" cy="2695074"/>
-                <a:chOff x="5113421" y="2622884"/>
-                <a:chExt cx="3609474" cy="2695074"/>
-              </a:xfrm>
-            </p:grpSpPr>
-            <p:cxnSp>
-              <p:nvCxnSpPr>
-                <p:cNvPr id="6" name="直接箭头连接符 5"/>
-                <p:cNvCxnSpPr/>
-                <p:nvPr/>
-              </p:nvCxnSpPr>
-              <p:spPr>
-                <a:xfrm>
-                  <a:off x="5113421" y="4752474"/>
-                  <a:ext cx="3609474" cy="0"/>
-                </a:xfrm>
-                <a:prstGeom prst="straightConnector1">
-                  <a:avLst/>
-                </a:prstGeom>
-                <a:ln w="15875">
-                  <a:solidFill>
-                    <a:srgbClr val="0070C0"/>
-                  </a:solidFill>
-                  <a:tailEnd type="triangle"/>
-                </a:ln>
-              </p:spPr>
-              <p:style>
-                <a:lnRef idx="1">
-                  <a:schemeClr val="accent1"/>
-                </a:lnRef>
-                <a:fillRef idx="0">
-                  <a:schemeClr val="accent1"/>
-                </a:fillRef>
-                <a:effectRef idx="0">
-                  <a:schemeClr val="accent1"/>
-                </a:effectRef>
-                <a:fontRef idx="minor">
-                  <a:schemeClr val="tx1"/>
-                </a:fontRef>
-              </p:style>
-            </p:cxnSp>
-            <p:cxnSp>
-              <p:nvCxnSpPr>
-                <p:cNvPr id="11" name="直接箭头连接符 10"/>
-                <p:cNvCxnSpPr/>
-                <p:nvPr/>
-              </p:nvCxnSpPr>
-              <p:spPr>
-                <a:xfrm flipV="1">
-                  <a:off x="5895474" y="2622884"/>
-                  <a:ext cx="0" cy="2695074"/>
-                </a:xfrm>
-                <a:prstGeom prst="straightConnector1">
-                  <a:avLst/>
-                </a:prstGeom>
-                <a:ln w="15875">
-                  <a:solidFill>
-                    <a:srgbClr val="0070C0"/>
-                  </a:solidFill>
-                  <a:tailEnd type="triangle"/>
-                </a:ln>
-              </p:spPr>
-              <p:style>
-                <a:lnRef idx="1">
-                  <a:schemeClr val="accent1"/>
-                </a:lnRef>
-                <a:fillRef idx="0">
-                  <a:schemeClr val="accent1"/>
-                </a:fillRef>
-                <a:effectRef idx="0">
-                  <a:schemeClr val="accent1"/>
-                </a:effectRef>
-                <a:fontRef idx="minor">
-                  <a:schemeClr val="tx1"/>
-                </a:fontRef>
-              </p:style>
-            </p:cxnSp>
-          </p:grpSp>
           <p:cxnSp>
             <p:nvCxnSpPr>
-              <p:cNvPr id="13" name="直接箭头连接符 12"/>
-              <p:cNvCxnSpPr/>
-              <p:nvPr/>
-            </p:nvCxnSpPr>
-            <p:spPr>
-              <a:xfrm flipH="1">
-                <a:off x="4588030" y="4331368"/>
-                <a:ext cx="1740581" cy="1739902"/>
-              </a:xfrm>
-              <a:prstGeom prst="straightConnector1">
-                <a:avLst/>
-              </a:prstGeom>
-              <a:ln w="15875">
-                <a:solidFill>
-                  <a:srgbClr val="0070C0"/>
-                </a:solidFill>
-                <a:tailEnd type="triangle"/>
-              </a:ln>
-            </p:spPr>
-            <p:style>
-              <a:lnRef idx="1">
-                <a:schemeClr val="accent1"/>
-              </a:lnRef>
-              <a:fillRef idx="0">
-                <a:schemeClr val="accent1"/>
-              </a:fillRef>
-              <a:effectRef idx="0">
-                <a:schemeClr val="accent1"/>
-              </a:effectRef>
-              <a:fontRef idx="minor">
-                <a:schemeClr val="tx1"/>
-              </a:fontRef>
-            </p:style>
-          </p:cxnSp>
-          <p:sp>
-            <p:nvSpPr>
-              <p:cNvPr id="15" name="文本框 14"/>
-              <p:cNvSpPr txBox="1"/>
-              <p:nvPr/>
-            </p:nvSpPr>
-            <p:spPr>
-              <a:xfrm>
-                <a:off x="8434033" y="4752474"/>
-                <a:ext cx="288862" cy="369332"/>
-              </a:xfrm>
-              <a:prstGeom prst="rect">
-                <a:avLst/>
-              </a:prstGeom>
-              <a:noFill/>
-            </p:spPr>
-            <p:txBody>
-              <a:bodyPr wrap="none" rtlCol="0">
-                <a:spAutoFit/>
-              </a:bodyPr>
-              <a:lstStyle/>
-              <a:p>
-                <a:r>
-                  <a:rPr lang="en-US" altLang="zh-CN" dirty="0" smtClean="0"/>
-                  <a:t>y</a:t>
-                </a:r>
-                <a:endParaRPr lang="zh-CN" altLang="en-US" dirty="0"/>
-              </a:p>
-            </p:txBody>
-          </p:sp>
-          <p:sp>
-            <p:nvSpPr>
-              <p:cNvPr id="32" name="文本框 31"/>
-              <p:cNvSpPr txBox="1"/>
-              <p:nvPr/>
-            </p:nvSpPr>
-            <p:spPr>
-              <a:xfrm>
-                <a:off x="5606612" y="2622884"/>
-                <a:ext cx="292068" cy="369332"/>
-              </a:xfrm>
-              <a:prstGeom prst="rect">
-                <a:avLst/>
-              </a:prstGeom>
-              <a:noFill/>
-            </p:spPr>
-            <p:txBody>
-              <a:bodyPr wrap="none" rtlCol="0">
-                <a:spAutoFit/>
-              </a:bodyPr>
-              <a:lstStyle/>
-              <a:p>
-                <a:r>
-                  <a:rPr lang="en-US" altLang="zh-CN" dirty="0"/>
-                  <a:t>Z</a:t>
-                </a:r>
-                <a:endParaRPr lang="zh-CN" altLang="en-US" dirty="0"/>
-              </a:p>
-            </p:txBody>
-          </p:sp>
-          <p:sp>
-            <p:nvSpPr>
-              <p:cNvPr id="33" name="文本框 32"/>
-              <p:cNvSpPr txBox="1"/>
-              <p:nvPr/>
-            </p:nvSpPr>
-            <p:spPr>
-              <a:xfrm>
-                <a:off x="4633267" y="6044629"/>
-                <a:ext cx="304892" cy="369332"/>
-              </a:xfrm>
-              <a:prstGeom prst="rect">
-                <a:avLst/>
-              </a:prstGeom>
-              <a:noFill/>
-            </p:spPr>
-            <p:txBody>
-              <a:bodyPr wrap="square" rtlCol="0">
-                <a:spAutoFit/>
-              </a:bodyPr>
-              <a:lstStyle/>
-              <a:p>
-                <a:r>
-                  <a:rPr lang="en-US" altLang="zh-CN" dirty="0"/>
-                  <a:t>X</a:t>
-                </a:r>
-                <a:endParaRPr lang="zh-CN" altLang="en-US" dirty="0"/>
-              </a:p>
-            </p:txBody>
-          </p:sp>
-        </p:grpSp>
-        <p:grpSp>
-          <p:nvGrpSpPr>
-            <p:cNvPr id="66" name="组合 65"/>
-            <p:cNvGrpSpPr/>
-            <p:nvPr/>
-          </p:nvGrpSpPr>
-          <p:grpSpPr>
-            <a:xfrm>
-              <a:off x="4759576" y="3121076"/>
-              <a:ext cx="2897817" cy="2646808"/>
-              <a:chOff x="497073" y="3279148"/>
-              <a:chExt cx="2897817" cy="2646808"/>
-            </a:xfrm>
-          </p:grpSpPr>
-          <p:cxnSp>
-            <p:nvCxnSpPr>
-              <p:cNvPr id="67" name="直接连接符 66"/>
+              <p:cNvPr id="26" name="直接连接符 25"/>
               <p:cNvCxnSpPr>
-                <a:endCxn id="76" idx="1"/>
+                <a:endCxn id="49" idx="1"/>
               </p:cNvCxnSpPr>
               <p:nvPr/>
             </p:nvCxnSpPr>
@@ -16064,7 +15474,7 @@
           </p:cxnSp>
           <p:grpSp>
             <p:nvGrpSpPr>
-              <p:cNvPr id="68" name="组合 67"/>
+              <p:cNvPr id="64" name="组合 63"/>
               <p:cNvGrpSpPr/>
               <p:nvPr/>
             </p:nvGrpSpPr>
@@ -16078,7 +15488,7 @@
             </p:grpSpPr>
             <p:grpSp>
               <p:nvGrpSpPr>
-                <p:cNvPr id="71" name="组合 70"/>
+                <p:cNvPr id="23" name="组合 22"/>
                 <p:cNvGrpSpPr/>
                 <p:nvPr/>
               </p:nvGrpSpPr>
@@ -16092,7 +15502,7 @@
               </p:grpSpPr>
               <p:sp>
                 <p:nvSpPr>
-                  <p:cNvPr id="75" name="椭圆 74"/>
+                  <p:cNvPr id="18" name="椭圆 17"/>
                   <p:cNvSpPr/>
                   <p:nvPr/>
                 </p:nvSpPr>
@@ -16132,7 +15542,7 @@
               </p:sp>
               <p:sp>
                 <p:nvSpPr>
-                  <p:cNvPr id="76" name="椭圆 75"/>
+                  <p:cNvPr id="49" name="椭圆 48"/>
                   <p:cNvSpPr/>
                   <p:nvPr/>
                 </p:nvSpPr>
@@ -16172,7 +15582,7 @@
               </p:sp>
               <p:sp>
                 <p:nvSpPr>
-                  <p:cNvPr id="77" name="椭圆 76"/>
+                  <p:cNvPr id="51" name="椭圆 50"/>
                   <p:cNvSpPr/>
                   <p:nvPr/>
                 </p:nvSpPr>
@@ -16213,7 +15623,7 @@
             </p:grpSp>
             <p:sp>
               <p:nvSpPr>
-                <p:cNvPr id="72" name="文本框 71"/>
+                <p:cNvPr id="24" name="文本框 23"/>
                 <p:cNvSpPr txBox="1"/>
                 <p:nvPr/>
               </p:nvSpPr>
@@ -16243,7 +15653,7 @@
             </p:sp>
             <p:sp>
               <p:nvSpPr>
-                <p:cNvPr id="73" name="文本框 72"/>
+                <p:cNvPr id="52" name="文本框 51"/>
                 <p:cNvSpPr txBox="1"/>
                 <p:nvPr/>
               </p:nvSpPr>
@@ -16273,7 +15683,7 @@
             </p:sp>
             <p:sp>
               <p:nvSpPr>
-                <p:cNvPr id="74" name="文本框 73"/>
+                <p:cNvPr id="53" name="文本框 52"/>
                 <p:cNvSpPr txBox="1"/>
                 <p:nvPr/>
               </p:nvSpPr>
@@ -16304,10 +15714,10 @@
           </p:grpSp>
           <p:cxnSp>
             <p:nvCxnSpPr>
-              <p:cNvPr id="69" name="直接连接符 68"/>
+              <p:cNvPr id="58" name="直接连接符 57"/>
               <p:cNvCxnSpPr>
-                <a:stCxn id="75" idx="6"/>
-                <a:endCxn id="77" idx="7"/>
+                <a:stCxn id="18" idx="6"/>
+                <a:endCxn id="51" idx="7"/>
               </p:cNvCxnSpPr>
               <p:nvPr/>
             </p:nvCxnSpPr>
@@ -16340,10 +15750,10 @@
           </p:cxnSp>
           <p:cxnSp>
             <p:nvCxnSpPr>
-              <p:cNvPr id="70" name="直接连接符 69"/>
+              <p:cNvPr id="61" name="直接连接符 60"/>
               <p:cNvCxnSpPr>
-                <a:stCxn id="77" idx="2"/>
-                <a:endCxn id="76" idx="3"/>
+                <a:stCxn id="51" idx="2"/>
+                <a:endCxn id="49" idx="3"/>
               </p:cNvCxnSpPr>
               <p:nvPr/>
             </p:nvCxnSpPr>
@@ -16374,6 +15784,611 @@
               </a:fontRef>
             </p:style>
           </p:cxnSp>
+        </p:grpSp>
+        <p:grpSp>
+          <p:nvGrpSpPr>
+            <p:cNvPr id="79" name="组合 78"/>
+            <p:cNvGrpSpPr/>
+            <p:nvPr/>
+          </p:nvGrpSpPr>
+          <p:grpSpPr>
+            <a:xfrm>
+              <a:off x="4572000" y="2750426"/>
+              <a:ext cx="4134865" cy="3791077"/>
+              <a:chOff x="4588030" y="2622884"/>
+              <a:chExt cx="4134865" cy="3791077"/>
+            </a:xfrm>
+          </p:grpSpPr>
+          <p:grpSp>
+            <p:nvGrpSpPr>
+              <p:cNvPr id="17" name="组合 16"/>
+              <p:cNvGrpSpPr/>
+              <p:nvPr/>
+            </p:nvGrpSpPr>
+            <p:grpSpPr>
+              <a:xfrm>
+                <a:off x="4588030" y="2622884"/>
+                <a:ext cx="4134865" cy="3791077"/>
+                <a:chOff x="4588030" y="2622884"/>
+                <a:chExt cx="4134865" cy="3791077"/>
+              </a:xfrm>
+            </p:grpSpPr>
+            <p:grpSp>
+              <p:nvGrpSpPr>
+                <p:cNvPr id="16" name="组合 15"/>
+                <p:cNvGrpSpPr/>
+                <p:nvPr/>
+              </p:nvGrpSpPr>
+              <p:grpSpPr>
+                <a:xfrm>
+                  <a:off x="5113421" y="2622884"/>
+                  <a:ext cx="3609474" cy="2695074"/>
+                  <a:chOff x="5113421" y="2622884"/>
+                  <a:chExt cx="3609474" cy="2695074"/>
+                </a:xfrm>
+              </p:grpSpPr>
+              <p:cxnSp>
+                <p:nvCxnSpPr>
+                  <p:cNvPr id="6" name="直接箭头连接符 5"/>
+                  <p:cNvCxnSpPr/>
+                  <p:nvPr/>
+                </p:nvCxnSpPr>
+                <p:spPr>
+                  <a:xfrm>
+                    <a:off x="5113421" y="4752474"/>
+                    <a:ext cx="3609474" cy="0"/>
+                  </a:xfrm>
+                  <a:prstGeom prst="straightConnector1">
+                    <a:avLst/>
+                  </a:prstGeom>
+                  <a:ln w="15875">
+                    <a:solidFill>
+                      <a:srgbClr val="0070C0"/>
+                    </a:solidFill>
+                    <a:tailEnd type="triangle"/>
+                  </a:ln>
+                </p:spPr>
+                <p:style>
+                  <a:lnRef idx="1">
+                    <a:schemeClr val="accent1"/>
+                  </a:lnRef>
+                  <a:fillRef idx="0">
+                    <a:schemeClr val="accent1"/>
+                  </a:fillRef>
+                  <a:effectRef idx="0">
+                    <a:schemeClr val="accent1"/>
+                  </a:effectRef>
+                  <a:fontRef idx="minor">
+                    <a:schemeClr val="tx1"/>
+                  </a:fontRef>
+                </p:style>
+              </p:cxnSp>
+              <p:cxnSp>
+                <p:nvCxnSpPr>
+                  <p:cNvPr id="11" name="直接箭头连接符 10"/>
+                  <p:cNvCxnSpPr/>
+                  <p:nvPr/>
+                </p:nvCxnSpPr>
+                <p:spPr>
+                  <a:xfrm flipV="1">
+                    <a:off x="5895474" y="2622884"/>
+                    <a:ext cx="0" cy="2695074"/>
+                  </a:xfrm>
+                  <a:prstGeom prst="straightConnector1">
+                    <a:avLst/>
+                  </a:prstGeom>
+                  <a:ln w="15875">
+                    <a:solidFill>
+                      <a:srgbClr val="0070C0"/>
+                    </a:solidFill>
+                    <a:tailEnd type="triangle"/>
+                  </a:ln>
+                </p:spPr>
+                <p:style>
+                  <a:lnRef idx="1">
+                    <a:schemeClr val="accent1"/>
+                  </a:lnRef>
+                  <a:fillRef idx="0">
+                    <a:schemeClr val="accent1"/>
+                  </a:fillRef>
+                  <a:effectRef idx="0">
+                    <a:schemeClr val="accent1"/>
+                  </a:effectRef>
+                  <a:fontRef idx="minor">
+                    <a:schemeClr val="tx1"/>
+                  </a:fontRef>
+                </p:style>
+              </p:cxnSp>
+            </p:grpSp>
+            <p:cxnSp>
+              <p:nvCxnSpPr>
+                <p:cNvPr id="13" name="直接箭头连接符 12"/>
+                <p:cNvCxnSpPr/>
+                <p:nvPr/>
+              </p:nvCxnSpPr>
+              <p:spPr>
+                <a:xfrm flipH="1">
+                  <a:off x="4588030" y="4331368"/>
+                  <a:ext cx="1740581" cy="1739902"/>
+                </a:xfrm>
+                <a:prstGeom prst="straightConnector1">
+                  <a:avLst/>
+                </a:prstGeom>
+                <a:ln w="15875">
+                  <a:solidFill>
+                    <a:srgbClr val="0070C0"/>
+                  </a:solidFill>
+                  <a:tailEnd type="triangle"/>
+                </a:ln>
+              </p:spPr>
+              <p:style>
+                <a:lnRef idx="1">
+                  <a:schemeClr val="accent1"/>
+                </a:lnRef>
+                <a:fillRef idx="0">
+                  <a:schemeClr val="accent1"/>
+                </a:fillRef>
+                <a:effectRef idx="0">
+                  <a:schemeClr val="accent1"/>
+                </a:effectRef>
+                <a:fontRef idx="minor">
+                  <a:schemeClr val="tx1"/>
+                </a:fontRef>
+              </p:style>
+            </p:cxnSp>
+            <p:sp>
+              <p:nvSpPr>
+                <p:cNvPr id="15" name="文本框 14"/>
+                <p:cNvSpPr txBox="1"/>
+                <p:nvPr/>
+              </p:nvSpPr>
+              <p:spPr>
+                <a:xfrm>
+                  <a:off x="8434033" y="4752474"/>
+                  <a:ext cx="288862" cy="369332"/>
+                </a:xfrm>
+                <a:prstGeom prst="rect">
+                  <a:avLst/>
+                </a:prstGeom>
+                <a:noFill/>
+              </p:spPr>
+              <p:txBody>
+                <a:bodyPr wrap="none" rtlCol="0">
+                  <a:spAutoFit/>
+                </a:bodyPr>
+                <a:lstStyle/>
+                <a:p>
+                  <a:r>
+                    <a:rPr lang="en-US" altLang="zh-CN" dirty="0" smtClean="0"/>
+                    <a:t>y</a:t>
+                  </a:r>
+                  <a:endParaRPr lang="zh-CN" altLang="en-US" dirty="0"/>
+                </a:p>
+              </p:txBody>
+            </p:sp>
+            <p:sp>
+              <p:nvSpPr>
+                <p:cNvPr id="32" name="文本框 31"/>
+                <p:cNvSpPr txBox="1"/>
+                <p:nvPr/>
+              </p:nvSpPr>
+              <p:spPr>
+                <a:xfrm>
+                  <a:off x="5606612" y="2622884"/>
+                  <a:ext cx="292068" cy="369332"/>
+                </a:xfrm>
+                <a:prstGeom prst="rect">
+                  <a:avLst/>
+                </a:prstGeom>
+                <a:noFill/>
+              </p:spPr>
+              <p:txBody>
+                <a:bodyPr wrap="none" rtlCol="0">
+                  <a:spAutoFit/>
+                </a:bodyPr>
+                <a:lstStyle/>
+                <a:p>
+                  <a:r>
+                    <a:rPr lang="en-US" altLang="zh-CN" dirty="0"/>
+                    <a:t>Z</a:t>
+                  </a:r>
+                  <a:endParaRPr lang="zh-CN" altLang="en-US" dirty="0"/>
+                </a:p>
+              </p:txBody>
+            </p:sp>
+            <p:sp>
+              <p:nvSpPr>
+                <p:cNvPr id="33" name="文本框 32"/>
+                <p:cNvSpPr txBox="1"/>
+                <p:nvPr/>
+              </p:nvSpPr>
+              <p:spPr>
+                <a:xfrm>
+                  <a:off x="4633267" y="6044629"/>
+                  <a:ext cx="304892" cy="369332"/>
+                </a:xfrm>
+                <a:prstGeom prst="rect">
+                  <a:avLst/>
+                </a:prstGeom>
+                <a:noFill/>
+              </p:spPr>
+              <p:txBody>
+                <a:bodyPr wrap="square" rtlCol="0">
+                  <a:spAutoFit/>
+                </a:bodyPr>
+                <a:lstStyle/>
+                <a:p>
+                  <a:r>
+                    <a:rPr lang="en-US" altLang="zh-CN" dirty="0"/>
+                    <a:t>X</a:t>
+                  </a:r>
+                  <a:endParaRPr lang="zh-CN" altLang="en-US" dirty="0"/>
+                </a:p>
+              </p:txBody>
+            </p:sp>
+          </p:grpSp>
+          <p:grpSp>
+            <p:nvGrpSpPr>
+              <p:cNvPr id="66" name="组合 65"/>
+              <p:cNvGrpSpPr/>
+              <p:nvPr/>
+            </p:nvGrpSpPr>
+            <p:grpSpPr>
+              <a:xfrm>
+                <a:off x="4759576" y="3121076"/>
+                <a:ext cx="2897817" cy="2646808"/>
+                <a:chOff x="497073" y="3279148"/>
+                <a:chExt cx="2897817" cy="2646808"/>
+              </a:xfrm>
+            </p:grpSpPr>
+            <p:cxnSp>
+              <p:nvCxnSpPr>
+                <p:cNvPr id="67" name="直接连接符 66"/>
+                <p:cNvCxnSpPr>
+                  <a:endCxn id="76" idx="1"/>
+                </p:cNvCxnSpPr>
+                <p:nvPr/>
+              </p:nvCxnSpPr>
+              <p:spPr>
+                <a:xfrm flipV="1">
+                  <a:off x="850694" y="3656388"/>
+                  <a:ext cx="1449420" cy="1727124"/>
+                </a:xfrm>
+                <a:prstGeom prst="line">
+                  <a:avLst/>
+                </a:prstGeom>
+                <a:ln>
+                  <a:prstDash val="dash"/>
+                </a:ln>
+              </p:spPr>
+              <p:style>
+                <a:lnRef idx="1">
+                  <a:schemeClr val="accent1"/>
+                </a:lnRef>
+                <a:fillRef idx="0">
+                  <a:schemeClr val="accent1"/>
+                </a:fillRef>
+                <a:effectRef idx="0">
+                  <a:schemeClr val="accent1"/>
+                </a:effectRef>
+                <a:fontRef idx="minor">
+                  <a:schemeClr val="tx1"/>
+                </a:fontRef>
+              </p:style>
+            </p:cxnSp>
+            <p:grpSp>
+              <p:nvGrpSpPr>
+                <p:cNvPr id="68" name="组合 67"/>
+                <p:cNvGrpSpPr/>
+                <p:nvPr/>
+              </p:nvGrpSpPr>
+              <p:grpSpPr>
+                <a:xfrm>
+                  <a:off x="497073" y="3279148"/>
+                  <a:ext cx="2897817" cy="2646808"/>
+                  <a:chOff x="497073" y="3279148"/>
+                  <a:chExt cx="2897817" cy="2646808"/>
+                </a:xfrm>
+              </p:grpSpPr>
+              <p:grpSp>
+                <p:nvGrpSpPr>
+                  <p:cNvPr id="71" name="组合 70"/>
+                  <p:cNvGrpSpPr/>
+                  <p:nvPr/>
+                </p:nvGrpSpPr>
+                <p:grpSpPr>
+                  <a:xfrm>
+                    <a:off x="854240" y="3648480"/>
+                    <a:ext cx="2183483" cy="1912948"/>
+                    <a:chOff x="854240" y="3648480"/>
+                    <a:chExt cx="2183483" cy="1912948"/>
+                  </a:xfrm>
+                </p:grpSpPr>
+                <p:sp>
+                  <p:nvSpPr>
+                    <p:cNvPr id="75" name="椭圆 74"/>
+                    <p:cNvSpPr/>
+                    <p:nvPr/>
+                  </p:nvSpPr>
+                  <p:spPr>
+                    <a:xfrm flipH="1">
+                      <a:off x="854240" y="5317958"/>
+                      <a:ext cx="54000" cy="54000"/>
+                    </a:xfrm>
+                    <a:prstGeom prst="ellipse">
+                      <a:avLst/>
+                    </a:prstGeom>
+                  </p:spPr>
+                  <p:style>
+                    <a:lnRef idx="2">
+                      <a:schemeClr val="accent1">
+                        <a:shade val="50000"/>
+                      </a:schemeClr>
+                    </a:lnRef>
+                    <a:fillRef idx="1">
+                      <a:schemeClr val="accent1"/>
+                    </a:fillRef>
+                    <a:effectRef idx="0">
+                      <a:schemeClr val="accent1"/>
+                    </a:effectRef>
+                    <a:fontRef idx="minor">
+                      <a:schemeClr val="lt1"/>
+                    </a:fontRef>
+                  </p:style>
+                  <p:txBody>
+                    <a:bodyPr rtlCol="0" anchor="ctr"/>
+                    <a:lstStyle/>
+                    <a:p>
+                      <a:pPr algn="ctr"/>
+                      <a:endParaRPr lang="zh-CN" altLang="en-US"/>
+                    </a:p>
+                  </p:txBody>
+                </p:sp>
+                <p:sp>
+                  <p:nvSpPr>
+                    <p:cNvPr id="76" name="椭圆 75"/>
+                    <p:cNvSpPr/>
+                    <p:nvPr/>
+                  </p:nvSpPr>
+                  <p:spPr>
+                    <a:xfrm flipH="1">
+                      <a:off x="2254022" y="3648480"/>
+                      <a:ext cx="54000" cy="54000"/>
+                    </a:xfrm>
+                    <a:prstGeom prst="ellipse">
+                      <a:avLst/>
+                    </a:prstGeom>
+                  </p:spPr>
+                  <p:style>
+                    <a:lnRef idx="2">
+                      <a:schemeClr val="accent1">
+                        <a:shade val="50000"/>
+                      </a:schemeClr>
+                    </a:lnRef>
+                    <a:fillRef idx="1">
+                      <a:schemeClr val="accent1"/>
+                    </a:fillRef>
+                    <a:effectRef idx="0">
+                      <a:schemeClr val="accent1"/>
+                    </a:effectRef>
+                    <a:fontRef idx="minor">
+                      <a:schemeClr val="lt1"/>
+                    </a:fontRef>
+                  </p:style>
+                  <p:txBody>
+                    <a:bodyPr rtlCol="0" anchor="ctr"/>
+                    <a:lstStyle/>
+                    <a:p>
+                      <a:pPr algn="ctr"/>
+                      <a:endParaRPr lang="zh-CN" altLang="en-US"/>
+                    </a:p>
+                  </p:txBody>
+                </p:sp>
+                <p:sp>
+                  <p:nvSpPr>
+                    <p:cNvPr id="77" name="椭圆 76"/>
+                    <p:cNvSpPr/>
+                    <p:nvPr/>
+                  </p:nvSpPr>
+                  <p:spPr>
+                    <a:xfrm flipH="1">
+                      <a:off x="2983723" y="5507428"/>
+                      <a:ext cx="54000" cy="54000"/>
+                    </a:xfrm>
+                    <a:prstGeom prst="ellipse">
+                      <a:avLst/>
+                    </a:prstGeom>
+                  </p:spPr>
+                  <p:style>
+                    <a:lnRef idx="2">
+                      <a:schemeClr val="accent1">
+                        <a:shade val="50000"/>
+                      </a:schemeClr>
+                    </a:lnRef>
+                    <a:fillRef idx="1">
+                      <a:schemeClr val="accent1"/>
+                    </a:fillRef>
+                    <a:effectRef idx="0">
+                      <a:schemeClr val="accent1"/>
+                    </a:effectRef>
+                    <a:fontRef idx="minor">
+                      <a:schemeClr val="lt1"/>
+                    </a:fontRef>
+                  </p:style>
+                  <p:txBody>
+                    <a:bodyPr rtlCol="0" anchor="ctr"/>
+                    <a:lstStyle/>
+                    <a:p>
+                      <a:pPr algn="ctr"/>
+                      <a:endParaRPr lang="zh-CN" altLang="en-US"/>
+                    </a:p>
+                  </p:txBody>
+                </p:sp>
+              </p:grpSp>
+              <p:sp>
+                <p:nvSpPr>
+                  <p:cNvPr id="72" name="文本框 71"/>
+                  <p:cNvSpPr txBox="1"/>
+                  <p:nvPr/>
+                </p:nvSpPr>
+                <p:spPr>
+                  <a:xfrm>
+                    <a:off x="497073" y="5371958"/>
+                    <a:ext cx="357167" cy="369332"/>
+                  </a:xfrm>
+                  <a:prstGeom prst="rect">
+                    <a:avLst/>
+                  </a:prstGeom>
+                  <a:noFill/>
+                </p:spPr>
+                <p:txBody>
+                  <a:bodyPr wrap="square" rtlCol="0">
+                    <a:spAutoFit/>
+                  </a:bodyPr>
+                  <a:lstStyle/>
+                  <a:p>
+                    <a:r>
+                      <a:rPr lang="en-US" altLang="zh-CN" dirty="0"/>
+                      <a:t>A</a:t>
+                    </a:r>
+                    <a:endParaRPr lang="zh-CN" altLang="en-US" dirty="0"/>
+                  </a:p>
+                </p:txBody>
+              </p:sp>
+              <p:sp>
+                <p:nvSpPr>
+                  <p:cNvPr id="73" name="文本框 72"/>
+                  <p:cNvSpPr txBox="1"/>
+                  <p:nvPr/>
+                </p:nvSpPr>
+                <p:spPr>
+                  <a:xfrm>
+                    <a:off x="1893650" y="3279148"/>
+                    <a:ext cx="357167" cy="369332"/>
+                  </a:xfrm>
+                  <a:prstGeom prst="rect">
+                    <a:avLst/>
+                  </a:prstGeom>
+                  <a:noFill/>
+                </p:spPr>
+                <p:txBody>
+                  <a:bodyPr wrap="square" rtlCol="0">
+                    <a:spAutoFit/>
+                  </a:bodyPr>
+                  <a:lstStyle/>
+                  <a:p>
+                    <a:r>
+                      <a:rPr lang="en-US" altLang="zh-CN" dirty="0" smtClean="0"/>
+                      <a:t>B</a:t>
+                    </a:r>
+                    <a:endParaRPr lang="zh-CN" altLang="en-US" dirty="0"/>
+                  </a:p>
+                </p:txBody>
+              </p:sp>
+              <p:sp>
+                <p:nvSpPr>
+                  <p:cNvPr id="74" name="文本框 73"/>
+                  <p:cNvSpPr txBox="1"/>
+                  <p:nvPr/>
+                </p:nvSpPr>
+                <p:spPr>
+                  <a:xfrm>
+                    <a:off x="3037723" y="5556624"/>
+                    <a:ext cx="357167" cy="369332"/>
+                  </a:xfrm>
+                  <a:prstGeom prst="rect">
+                    <a:avLst/>
+                  </a:prstGeom>
+                  <a:noFill/>
+                </p:spPr>
+                <p:txBody>
+                  <a:bodyPr wrap="square" rtlCol="0">
+                    <a:spAutoFit/>
+                  </a:bodyPr>
+                  <a:lstStyle/>
+                  <a:p>
+                    <a:r>
+                      <a:rPr lang="en-US" altLang="zh-CN" dirty="0" smtClean="0"/>
+                      <a:t>C</a:t>
+                    </a:r>
+                    <a:endParaRPr lang="zh-CN" altLang="en-US" dirty="0"/>
+                  </a:p>
+                </p:txBody>
+              </p:sp>
+            </p:grpSp>
+            <p:cxnSp>
+              <p:nvCxnSpPr>
+                <p:cNvPr id="69" name="直接连接符 68"/>
+                <p:cNvCxnSpPr>
+                  <a:stCxn id="75" idx="6"/>
+                  <a:endCxn id="77" idx="7"/>
+                </p:cNvCxnSpPr>
+                <p:nvPr/>
+              </p:nvCxnSpPr>
+              <p:spPr>
+                <a:xfrm>
+                  <a:off x="854240" y="5344958"/>
+                  <a:ext cx="2137391" cy="170378"/>
+                </a:xfrm>
+                <a:prstGeom prst="line">
+                  <a:avLst/>
+                </a:prstGeom>
+                <a:ln>
+                  <a:prstDash val="dash"/>
+                </a:ln>
+              </p:spPr>
+              <p:style>
+                <a:lnRef idx="1">
+                  <a:schemeClr val="accent1"/>
+                </a:lnRef>
+                <a:fillRef idx="0">
+                  <a:schemeClr val="accent1"/>
+                </a:fillRef>
+                <a:effectRef idx="0">
+                  <a:schemeClr val="accent1"/>
+                </a:effectRef>
+                <a:fontRef idx="minor">
+                  <a:schemeClr val="tx1"/>
+                </a:fontRef>
+              </p:style>
+            </p:cxnSp>
+            <p:cxnSp>
+              <p:nvCxnSpPr>
+                <p:cNvPr id="70" name="直接连接符 69"/>
+                <p:cNvCxnSpPr>
+                  <a:stCxn id="77" idx="2"/>
+                  <a:endCxn id="76" idx="3"/>
+                </p:cNvCxnSpPr>
+                <p:nvPr/>
+              </p:nvCxnSpPr>
+              <p:spPr>
+                <a:xfrm flipH="1" flipV="1">
+                  <a:off x="2300114" y="3694572"/>
+                  <a:ext cx="737609" cy="1839856"/>
+                </a:xfrm>
+                <a:prstGeom prst="line">
+                  <a:avLst/>
+                </a:prstGeom>
+                <a:ln>
+                  <a:prstDash val="dash"/>
+                </a:ln>
+              </p:spPr>
+              <p:style>
+                <a:lnRef idx="1">
+                  <a:schemeClr val="accent1"/>
+                </a:lnRef>
+                <a:fillRef idx="0">
+                  <a:schemeClr val="accent1"/>
+                </a:fillRef>
+                <a:effectRef idx="0">
+                  <a:schemeClr val="accent1"/>
+                </a:effectRef>
+                <a:fontRef idx="minor">
+                  <a:schemeClr val="tx1"/>
+                </a:fontRef>
+              </p:style>
+            </p:cxnSp>
+          </p:grpSp>
         </p:grpSp>
       </p:grpSp>
     </p:spTree>
@@ -23112,11 +23127,7 @@
             </a:r>
             <a:r>
               <a:rPr lang="zh-CN" altLang="en-US" dirty="0" smtClean="0"/>
-              <a:t>公示</a:t>
-            </a:r>
-            <a:r>
-              <a:rPr lang="zh-CN" altLang="en-US" dirty="0" smtClean="0"/>
-              <a:t>。</a:t>
+              <a:t>公示。</a:t>
             </a:r>
             <a:endParaRPr lang="zh-CN" altLang="en-US" dirty="0"/>
           </a:p>
@@ -24636,11 +24647,7 @@
             </a:r>
             <a:r>
               <a:rPr lang="zh-CN" altLang="zh-CN" dirty="0"/>
-              <a:t>数据集</a:t>
-            </a:r>
-            <a:r>
-              <a:rPr lang="zh-CN" altLang="zh-CN" dirty="0"/>
-              <a:t> </a:t>
+              <a:t>数据集 </a:t>
             </a:r>
             <a:r>
               <a:rPr lang="en-US" altLang="zh-CN" dirty="0"/>
@@ -24773,7 +24780,7 @@
         <a:sysClr val="windowText" lastClr="000000"/>
       </a:dk1>
       <a:lt1>
-        <a:sysClr val="window" lastClr="CCE8CF"/>
+        <a:sysClr val="window" lastClr="FFFFFF"/>
       </a:lt1>
       <a:dk2>
         <a:srgbClr val="44546A"/>
@@ -25034,7 +25041,7 @@
         <a:sysClr val="windowText" lastClr="000000"/>
       </a:dk1>
       <a:lt1>
-        <a:sysClr val="window" lastClr="CCE8CF"/>
+        <a:sysClr val="window" lastClr="FFFFFF"/>
       </a:lt1>
       <a:dk2>
         <a:srgbClr val="44546A"/>
@@ -25295,7 +25302,7 @@
         <a:sysClr val="windowText" lastClr="000000"/>
       </a:dk1>
       <a:lt1>
-        <a:sysClr val="window" lastClr="CCE8CF"/>
+        <a:sysClr val="window" lastClr="FFFFFF"/>
       </a:lt1>
       <a:dk2>
         <a:srgbClr val="1F497D"/>

--- a/PPT/基于IP坐标系统的QoS优化方法.pptx
+++ b/PPT/基于IP坐标系统的QoS优化方法.pptx
@@ -202,7 +202,6 @@
           </a:p>
         </c:rich>
       </c:tx>
-      <c:layout/>
       <c:overlay val="0"/>
       <c:spPr>
         <a:noFill/>
@@ -411,7 +410,6 @@
               </a:p>
             </c:rich>
           </c:tx>
-          <c:layout/>
           <c:overlay val="0"/>
           <c:spPr>
             <a:noFill/>
@@ -1402,7 +1400,6 @@
     </c:plotArea>
     <c:legend>
       <c:legendPos val="t"/>
-      <c:layout/>
       <c:overlay val="0"/>
       <c:spPr>
         <a:noFill/>
@@ -1514,7 +1511,6 @@
           </a:p>
         </c:rich>
       </c:tx>
-      <c:layout/>
       <c:overlay val="0"/>
       <c:spPr>
         <a:noFill/>
@@ -1926,7 +1922,6 @@
     </c:plotArea>
     <c:legend>
       <c:legendPos val="b"/>
-      <c:layout/>
       <c:overlay val="0"/>
       <c:spPr>
         <a:noFill/>
@@ -11774,7 +11769,7 @@
         </p:blipFill>
         <p:spPr>
           <a:xfrm>
-            <a:off x="561943" y="288325"/>
+            <a:off x="3701768" y="228750"/>
             <a:ext cx="1737413" cy="1737413"/>
           </a:xfrm>
           <a:prstGeom prst="rect">
